--- a/Let’s Write an Emulator!.pptx
+++ b/Let’s Write an Emulator!.pptx
@@ -5,10 +5,10 @@
     <p:sldMasterId id="2147483648" r:id="rId1"/>
   </p:sldMasterIdLst>
   <p:notesMasterIdLst>
-    <p:notesMasterId r:id="rId26"/>
+    <p:notesMasterId r:id="rId29"/>
   </p:notesMasterIdLst>
   <p:handoutMasterIdLst>
-    <p:handoutMasterId r:id="rId27"/>
+    <p:handoutMasterId r:id="rId30"/>
   </p:handoutMasterIdLst>
   <p:sldIdLst>
     <p:sldId id="256" r:id="rId2"/>
@@ -28,13 +28,16 @@
     <p:sldId id="270" r:id="rId16"/>
     <p:sldId id="271" r:id="rId17"/>
     <p:sldId id="272" r:id="rId18"/>
-    <p:sldId id="273" r:id="rId19"/>
-    <p:sldId id="275" r:id="rId20"/>
-    <p:sldId id="274" r:id="rId21"/>
-    <p:sldId id="276" r:id="rId22"/>
-    <p:sldId id="278" r:id="rId23"/>
-    <p:sldId id="279" r:id="rId24"/>
-    <p:sldId id="277" r:id="rId25"/>
+    <p:sldId id="280" r:id="rId19"/>
+    <p:sldId id="273" r:id="rId20"/>
+    <p:sldId id="275" r:id="rId21"/>
+    <p:sldId id="274" r:id="rId22"/>
+    <p:sldId id="276" r:id="rId23"/>
+    <p:sldId id="278" r:id="rId24"/>
+    <p:sldId id="279" r:id="rId25"/>
+    <p:sldId id="281" r:id="rId26"/>
+    <p:sldId id="282" r:id="rId27"/>
+    <p:sldId id="277" r:id="rId28"/>
   </p:sldIdLst>
   <p:sldSz cx="12192000" cy="6858000"/>
   <p:notesSz cx="6858000" cy="9144000"/>
@@ -244,7 +247,7 @@
           <a:p>
             <a:fld id="{A020A054-96F6-43CB-9172-6DB7B3743032}" type="datetimeFigureOut">
               <a:rPr lang="en-US" smtClean="0"/>
-              <a:t>2/3/2021</a:t>
+              <a:t>2/4/2021</a:t>
             </a:fld>
             <a:endParaRPr lang="en-US" dirty="0"/>
           </a:p>
@@ -422,7 +425,7 @@
           <a:p>
             <a:fld id="{9F0EA740-A9E1-4120-813A-C58E9EBE4907}" type="datetimeFigureOut">
               <a:rPr lang="en-US" smtClean="0"/>
-              <a:t>2/3/2021</a:t>
+              <a:t>2/4/2021</a:t>
             </a:fld>
             <a:endParaRPr lang="en-US" dirty="0"/>
           </a:p>
@@ -837,7 +840,7 @@
           <a:p>
             <a:fld id="{339DBDD1-30A5-45B0-9EE7-414351618276}" type="datetimeFigureOut">
               <a:rPr lang="en-US" smtClean="0"/>
-              <a:t>2/3/2021</a:t>
+              <a:t>2/4/2021</a:t>
             </a:fld>
             <a:endParaRPr lang="en-US" dirty="0"/>
           </a:p>
@@ -1035,7 +1038,7 @@
           <a:p>
             <a:fld id="{339DBDD1-30A5-45B0-9EE7-414351618276}" type="datetimeFigureOut">
               <a:rPr lang="en-US" smtClean="0"/>
-              <a:t>2/3/2021</a:t>
+              <a:t>2/4/2021</a:t>
             </a:fld>
             <a:endParaRPr lang="en-US" dirty="0"/>
           </a:p>
@@ -1243,7 +1246,7 @@
           <a:p>
             <a:fld id="{339DBDD1-30A5-45B0-9EE7-414351618276}" type="datetimeFigureOut">
               <a:rPr lang="en-US" smtClean="0"/>
-              <a:t>2/3/2021</a:t>
+              <a:t>2/4/2021</a:t>
             </a:fld>
             <a:endParaRPr lang="en-US" dirty="0"/>
           </a:p>
@@ -1441,7 +1444,7 @@
           <a:p>
             <a:fld id="{339DBDD1-30A5-45B0-9EE7-414351618276}" type="datetimeFigureOut">
               <a:rPr lang="en-US" smtClean="0"/>
-              <a:t>2/3/2021</a:t>
+              <a:t>2/4/2021</a:t>
             </a:fld>
             <a:endParaRPr lang="en-US" dirty="0"/>
           </a:p>
@@ -1716,7 +1719,7 @@
           <a:p>
             <a:fld id="{339DBDD1-30A5-45B0-9EE7-414351618276}" type="datetimeFigureOut">
               <a:rPr lang="en-US" smtClean="0"/>
-              <a:t>2/3/2021</a:t>
+              <a:t>2/4/2021</a:t>
             </a:fld>
             <a:endParaRPr lang="en-US" dirty="0"/>
           </a:p>
@@ -1981,7 +1984,7 @@
           <a:p>
             <a:fld id="{339DBDD1-30A5-45B0-9EE7-414351618276}" type="datetimeFigureOut">
               <a:rPr lang="en-US" smtClean="0"/>
-              <a:t>2/3/2021</a:t>
+              <a:t>2/4/2021</a:t>
             </a:fld>
             <a:endParaRPr lang="en-US" dirty="0"/>
           </a:p>
@@ -2393,7 +2396,7 @@
           <a:p>
             <a:fld id="{339DBDD1-30A5-45B0-9EE7-414351618276}" type="datetimeFigureOut">
               <a:rPr lang="en-US" smtClean="0"/>
-              <a:t>2/3/2021</a:t>
+              <a:t>2/4/2021</a:t>
             </a:fld>
             <a:endParaRPr lang="en-US" dirty="0"/>
           </a:p>
@@ -2534,7 +2537,7 @@
           <a:p>
             <a:fld id="{339DBDD1-30A5-45B0-9EE7-414351618276}" type="datetimeFigureOut">
               <a:rPr lang="en-US" smtClean="0"/>
-              <a:t>2/3/2021</a:t>
+              <a:t>2/4/2021</a:t>
             </a:fld>
             <a:endParaRPr lang="en-US" dirty="0"/>
           </a:p>
@@ -2647,7 +2650,7 @@
           <a:p>
             <a:fld id="{339DBDD1-30A5-45B0-9EE7-414351618276}" type="datetimeFigureOut">
               <a:rPr lang="en-US" smtClean="0"/>
-              <a:t>2/3/2021</a:t>
+              <a:t>2/4/2021</a:t>
             </a:fld>
             <a:endParaRPr lang="en-US" dirty="0"/>
           </a:p>
@@ -2958,7 +2961,7 @@
           <a:p>
             <a:fld id="{339DBDD1-30A5-45B0-9EE7-414351618276}" type="datetimeFigureOut">
               <a:rPr lang="en-US" smtClean="0"/>
-              <a:t>2/3/2021</a:t>
+              <a:t>2/4/2021</a:t>
             </a:fld>
             <a:endParaRPr lang="en-US" dirty="0"/>
           </a:p>
@@ -3246,7 +3249,7 @@
           <a:p>
             <a:fld id="{339DBDD1-30A5-45B0-9EE7-414351618276}" type="datetimeFigureOut">
               <a:rPr lang="en-US" smtClean="0"/>
-              <a:t>2/3/2021</a:t>
+              <a:t>2/4/2021</a:t>
             </a:fld>
             <a:endParaRPr lang="en-US" dirty="0"/>
           </a:p>
@@ -3487,7 +3490,7 @@
           <a:p>
             <a:fld id="{339DBDD1-30A5-45B0-9EE7-414351618276}" type="datetimeFigureOut">
               <a:rPr lang="en-US" smtClean="0"/>
-              <a:t>2/3/2021</a:t>
+              <a:t>2/4/2021</a:t>
             </a:fld>
             <a:endParaRPr lang="en-US" dirty="0"/>
           </a:p>
@@ -4679,31 +4682,45 @@
           <a:lstStyle/>
           <a:p>
             <a:r>
-              <a:rPr lang="en-US" dirty="0"/>
-              <a:t>We have filled our memory, so now we have to fetch our first instruction. (WARNING: BIT MATH INCOMING/!\)</a:t>
-            </a:r>
-          </a:p>
-          <a:p>
-            <a:endParaRPr lang="en-US" dirty="0"/>
-          </a:p>
-          <a:p>
-            <a:r>
-              <a:rPr lang="en-US" dirty="0"/>
-              <a:t>Each instruction in CHIP-8 is 8 bits (2 bytes) wide. </a:t>
-            </a:r>
-          </a:p>
-          <a:p>
-            <a:r>
-              <a:rPr lang="en-US" dirty="0"/>
+              <a:rPr lang="en-US" sz="2200" dirty="0"/>
+              <a:t>We have filled our memory, so now we have to fetch our first instruction.</a:t>
+            </a:r>
+          </a:p>
+          <a:p>
+            <a:pPr lvl="1"/>
+            <a:r>
+              <a:rPr lang="en-US" sz="1800" dirty="0"/>
+              <a:t> (WARNING: BIT MATH INCOMING/!\)</a:t>
+            </a:r>
+          </a:p>
+          <a:p>
+            <a:pPr lvl="1"/>
+            <a:endParaRPr lang="en-US" sz="2200" dirty="0"/>
+          </a:p>
+          <a:p>
+            <a:r>
+              <a:rPr lang="en-US" sz="2200" dirty="0"/>
+              <a:t>Each instruction in CHIP-8 is 16 bits (2 bytes) wide. </a:t>
+            </a:r>
+          </a:p>
+          <a:p>
+            <a:endParaRPr lang="en-US" sz="2200" dirty="0"/>
+          </a:p>
+          <a:p>
+            <a:r>
+              <a:rPr lang="en-US" sz="2200" dirty="0"/>
               <a:t>We read 2 sequential bytes from memory:</a:t>
             </a:r>
           </a:p>
           <a:p>
-            <a:endParaRPr lang="en-US" dirty="0"/>
-          </a:p>
-          <a:p>
-            <a:r>
-              <a:rPr lang="en-US" dirty="0"/>
+            <a:endParaRPr lang="en-US" sz="2200" dirty="0"/>
+          </a:p>
+          <a:p>
+            <a:endParaRPr lang="en-US" sz="2200" dirty="0"/>
+          </a:p>
+          <a:p>
+            <a:r>
+              <a:rPr lang="en-US" sz="2200" dirty="0"/>
               <a:t>Now we combine them into a single 2 byte value:</a:t>
             </a:r>
           </a:p>
@@ -4749,8 +4766,8 @@
         </p:blipFill>
         <p:spPr>
           <a:xfrm>
-            <a:off x="3309325" y="4225211"/>
-            <a:ext cx="3190875" cy="504825"/>
+            <a:off x="3332771" y="4190042"/>
+            <a:ext cx="4489025" cy="710204"/>
           </a:xfrm>
           <a:prstGeom prst="rect">
             <a:avLst/>
@@ -4779,8 +4796,8 @@
         </p:blipFill>
         <p:spPr>
           <a:xfrm>
-            <a:off x="1829936" y="5258237"/>
-            <a:ext cx="6686550" cy="390525"/>
+            <a:off x="1255504" y="5504421"/>
+            <a:ext cx="8643589" cy="504825"/>
           </a:xfrm>
           <a:prstGeom prst="rect">
             <a:avLst/>
@@ -4877,7 +4894,7 @@
           <a:p>
             <a:r>
               <a:rPr lang="en-US" dirty="0"/>
-              <a:t>Here comes the bit math:</a:t>
+              <a:t>Let’s break that down a bit.</a:t>
             </a:r>
           </a:p>
           <a:p>
@@ -4965,7 +4982,7 @@
         <p:spPr/>
         <p:txBody>
           <a:bodyPr>
-            <a:normAutofit fontScale="62500" lnSpcReduction="20000"/>
+            <a:normAutofit fontScale="85000" lnSpcReduction="20000"/>
           </a:bodyPr>
           <a:lstStyle/>
           <a:p>
@@ -4987,21 +5004,67 @@
             <a:pPr marL="457200" lvl="1" indent="0">
               <a:buNone/>
             </a:pPr>
-            <a:r>
-              <a:rPr lang="en-US" dirty="0"/>
-              <a:t>  1000_0011 (0x83) -&gt; 1111_1111_1000_0011  (note: Why the leading 1’s?)</a:t>
-            </a:r>
+            <a:endParaRPr lang="en-US" dirty="0"/>
           </a:p>
           <a:p>
             <a:pPr marL="457200" lvl="1" indent="0">
               <a:buNone/>
             </a:pPr>
-            <a:endParaRPr lang="en-US" dirty="0"/>
-          </a:p>
-          <a:p>
-            <a:r>
-              <a:rPr lang="en-US" dirty="0"/>
-              <a:t>Then we take that number and left shift it by 8 to move it to a higher 8 bits:</a:t>
+            <a:r>
+              <a:rPr lang="en-US" dirty="0"/>
+              <a:t> </a:t>
+            </a:r>
+            <a:r>
+              <a:rPr lang="en-US" sz="4000" dirty="0"/>
+              <a:t> </a:t>
+            </a:r>
+            <a:r>
+              <a:rPr lang="en-US" sz="4000" b="1" dirty="0"/>
+              <a:t>1000</a:t>
+            </a:r>
+            <a:r>
+              <a:rPr lang="en-US" sz="4000" dirty="0"/>
+              <a:t>_</a:t>
+            </a:r>
+            <a:r>
+              <a:rPr lang="en-US" sz="4000" b="1" dirty="0"/>
+              <a:t>0011</a:t>
+            </a:r>
+            <a:r>
+              <a:rPr lang="en-US" sz="4000" dirty="0"/>
+              <a:t> (0x83) -&gt; </a:t>
+            </a:r>
+            <a:r>
+              <a:rPr lang="en-US" sz="4000" b="1" dirty="0"/>
+              <a:t>1111</a:t>
+            </a:r>
+            <a:r>
+              <a:rPr lang="en-US" sz="4000" dirty="0"/>
+              <a:t>_</a:t>
+            </a:r>
+            <a:r>
+              <a:rPr lang="en-US" sz="4000" b="1" dirty="0"/>
+              <a:t>1111</a:t>
+            </a:r>
+            <a:r>
+              <a:rPr lang="en-US" sz="4000" dirty="0"/>
+              <a:t>_</a:t>
+            </a:r>
+            <a:r>
+              <a:rPr lang="en-US" sz="4000" b="1" dirty="0"/>
+              <a:t>1000</a:t>
+            </a:r>
+            <a:r>
+              <a:rPr lang="en-US" sz="4000" dirty="0"/>
+              <a:t>_</a:t>
+            </a:r>
+            <a:r>
+              <a:rPr lang="en-US" sz="4000" b="1" dirty="0"/>
+              <a:t>0011</a:t>
+            </a:r>
+            <a:r>
+              <a:rPr lang="en-US" sz="4000" dirty="0"/>
+              <a:t>  </a:t>
             </a:r>
           </a:p>
           <a:p>
@@ -5010,62 +5073,113 @@
             </a:pPr>
             <a:r>
               <a:rPr lang="en-US" dirty="0"/>
-              <a:t>   1000_0011_0000_0000</a:t>
+              <a:t>   </a:t>
             </a:r>
           </a:p>
           <a:p>
             <a:pPr marL="457200" lvl="1" indent="0">
               <a:buNone/>
             </a:pPr>
-            <a:endParaRPr lang="en-US" dirty="0"/>
-          </a:p>
-          <a:p>
-            <a:r>
-              <a:rPr lang="en-US" dirty="0"/>
-              <a:t>We now take our “low byte” (memory[ProgramCounter++]) and we do the same:</a:t>
+            <a:r>
+              <a:rPr lang="en-US" dirty="0"/>
+              <a:t>   (note: Why the leading 1’s?)</a:t>
             </a:r>
           </a:p>
           <a:p>
             <a:pPr marL="457200" lvl="1" indent="0">
               <a:buNone/>
             </a:pPr>
-            <a:r>
-              <a:rPr lang="en-US" dirty="0"/>
-              <a:t>    0100_0010 (0x42) -&gt; 0000_0000_0100_0010 (note: Why the 0’s this time?)</a:t>
-            </a:r>
+            <a:endParaRPr lang="en-US" dirty="0"/>
+          </a:p>
+          <a:p>
+            <a:r>
+              <a:rPr lang="en-US" dirty="0"/>
+              <a:t>Then we take that number and left shift (&lt;&lt;) it by 8 to move it to the higher 8 bits:</a:t>
+            </a:r>
+          </a:p>
+          <a:p>
+            <a:endParaRPr lang="en-US" dirty="0"/>
           </a:p>
           <a:p>
             <a:pPr marL="457200" lvl="1" indent="0">
               <a:buNone/>
             </a:pPr>
-            <a:endParaRPr lang="en-US" dirty="0"/>
-          </a:p>
-          <a:p>
-            <a:r>
-              <a:rPr lang="en-US" dirty="0"/>
-              <a:t>Then we AND the low byte value with 0x00FF (again, why?), then we AND the high byte and low byte together:</a:t>
+            <a:r>
+              <a:rPr lang="en-US" sz="4000" dirty="0"/>
+              <a:t> </a:t>
+            </a:r>
+            <a:r>
+              <a:rPr lang="en-US" sz="4000" b="1" dirty="0"/>
+              <a:t>1111</a:t>
+            </a:r>
+            <a:r>
+              <a:rPr lang="en-US" sz="4000" dirty="0"/>
+              <a:t>_</a:t>
+            </a:r>
+            <a:r>
+              <a:rPr lang="en-US" sz="4000" b="1" dirty="0"/>
+              <a:t>1111</a:t>
+            </a:r>
+            <a:r>
+              <a:rPr lang="en-US" sz="4000" dirty="0"/>
+              <a:t>_</a:t>
+            </a:r>
+            <a:r>
+              <a:rPr lang="en-US" sz="4000" b="1" dirty="0"/>
+              <a:t>1000</a:t>
+            </a:r>
+            <a:r>
+              <a:rPr lang="en-US" sz="4000" dirty="0"/>
+              <a:t>_</a:t>
+            </a:r>
+            <a:r>
+              <a:rPr lang="en-US" sz="4000" b="1" dirty="0"/>
+              <a:t>0011 </a:t>
+            </a:r>
+            <a:r>
+              <a:rPr lang="en-US" sz="4000" dirty="0"/>
+              <a:t>-&gt; </a:t>
+            </a:r>
+            <a:r>
+              <a:rPr lang="en-US" sz="4000" b="1" dirty="0"/>
+              <a:t>1000</a:t>
+            </a:r>
+            <a:r>
+              <a:rPr lang="en-US" sz="4000" dirty="0"/>
+              <a:t>_</a:t>
+            </a:r>
+            <a:r>
+              <a:rPr lang="en-US" sz="4000" b="1" dirty="0"/>
+              <a:t>0011</a:t>
+            </a:r>
+            <a:r>
+              <a:rPr lang="en-US" sz="4000" dirty="0"/>
+              <a:t>_</a:t>
+            </a:r>
+            <a:r>
+              <a:rPr lang="en-US" sz="4000" b="1" dirty="0"/>
+              <a:t>0000</a:t>
+            </a:r>
+            <a:r>
+              <a:rPr lang="en-US" sz="4000" dirty="0"/>
+              <a:t>_</a:t>
+            </a:r>
+            <a:r>
+              <a:rPr lang="en-US" sz="4000" b="1" dirty="0"/>
+              <a:t>0000</a:t>
             </a:r>
           </a:p>
           <a:p>
             <a:pPr marL="457200" lvl="1" indent="0">
               <a:buNone/>
             </a:pPr>
-            <a:r>
-              <a:rPr lang="en-US" dirty="0"/>
-              <a:t>    1000_0011_0100_0010 (0x8342)</a:t>
-            </a:r>
+            <a:endParaRPr lang="en-US" sz="4000" b="1" dirty="0"/>
           </a:p>
           <a:p>
             <a:pPr marL="457200" lvl="1" indent="0">
               <a:buNone/>
             </a:pPr>
             <a:endParaRPr lang="en-US" dirty="0"/>
-          </a:p>
-          <a:p>
-            <a:r>
-              <a:rPr lang="en-US" dirty="0"/>
-              <a:t>We have our instruction! 0x8342</a:t>
-            </a:r>
           </a:p>
         </p:txBody>
       </p:sp>
@@ -5104,7 +5218,7 @@
           <p:cNvPr id="2" name="Title 1">
             <a:extLst>
               <a:ext uri="{FF2B5EF4-FFF2-40B4-BE49-F238E27FC236}">
-                <a16:creationId xmlns:a16="http://schemas.microsoft.com/office/drawing/2014/main" id="{37EA6C71-6A91-401F-AAA1-EACAD9510931}"/>
+                <a16:creationId xmlns:a16="http://schemas.microsoft.com/office/drawing/2014/main" id="{ED84A032-7713-49E0-A2E7-FCDEB6B9C033}"/>
               </a:ext>
             </a:extLst>
           </p:cNvPr>
@@ -5122,7 +5236,7 @@
           <a:p>
             <a:r>
               <a:rPr lang="en-US" dirty="0"/>
-              <a:t>Sync the Decoder Rings</a:t>
+              <a:t>Let’s Play Fetch</a:t>
             </a:r>
           </a:p>
         </p:txBody>
@@ -5132,7 +5246,7 @@
           <p:cNvPr id="3" name="Content Placeholder 2">
             <a:extLst>
               <a:ext uri="{FF2B5EF4-FFF2-40B4-BE49-F238E27FC236}">
-                <a16:creationId xmlns:a16="http://schemas.microsoft.com/office/drawing/2014/main" id="{E84AF227-060F-41AE-8766-684A634E6085}"/>
+                <a16:creationId xmlns:a16="http://schemas.microsoft.com/office/drawing/2014/main" id="{96D3CD35-7274-4643-8F56-EC2BFB85A3B1}"/>
               </a:ext>
             </a:extLst>
           </p:cNvPr>
@@ -5146,87 +5260,13 @@
         <p:spPr/>
         <p:txBody>
           <a:bodyPr>
-            <a:normAutofit fontScale="55000" lnSpcReduction="20000"/>
+            <a:normAutofit fontScale="92500" lnSpcReduction="20000"/>
           </a:bodyPr>
           <a:lstStyle/>
           <a:p>
             <a:r>
-              <a:rPr lang="en-US" dirty="0"/>
-              <a:t>What do we do with 0x8342?</a:t>
-            </a:r>
-          </a:p>
-          <a:p>
-            <a:endParaRPr lang="en-US" dirty="0"/>
-          </a:p>
-          <a:p>
-            <a:r>
-              <a:rPr lang="en-US" dirty="0"/>
-              <a:t>We look it up and see what that means!</a:t>
-            </a:r>
-          </a:p>
-          <a:p>
-            <a:endParaRPr lang="en-US" dirty="0"/>
-          </a:p>
-          <a:p>
-            <a:r>
-              <a:rPr lang="en-US" dirty="0"/>
-              <a:t>All CHIP-8 instructions like this have a format that tell you it’s function and its variables.</a:t>
-            </a:r>
-          </a:p>
-          <a:p>
-            <a:endParaRPr lang="en-US" dirty="0"/>
-          </a:p>
-          <a:p>
-            <a:r>
-              <a:rPr lang="en-US" dirty="0"/>
-              <a:t>The highest “nibble”, 8, tells us this is an arithmetic function. Looking that up, we can now know what to do with the rest of the nibbles:</a:t>
-            </a:r>
-          </a:p>
-          <a:p>
-            <a:endParaRPr lang="en-US" dirty="0"/>
-          </a:p>
-          <a:p>
-            <a:r>
-              <a:rPr lang="en-US" dirty="0"/>
-              <a:t>Now that we know the instruction “family”, we can see that the 0x8xxx functions all follow the formula of:</a:t>
-            </a:r>
-          </a:p>
-          <a:p>
-            <a:pPr lvl="1"/>
-            <a:r>
-              <a:rPr lang="en-US" dirty="0"/>
-              <a:t>First nibble (MSN): family</a:t>
-            </a:r>
-          </a:p>
-          <a:p>
-            <a:pPr lvl="1"/>
-            <a:r>
-              <a:rPr lang="en-US" dirty="0"/>
-              <a:t>Second nibble: variable X value</a:t>
-            </a:r>
-          </a:p>
-          <a:p>
-            <a:pPr lvl="1"/>
-            <a:r>
-              <a:rPr lang="en-US" dirty="0"/>
-              <a:t>Third nibble: variable Y value</a:t>
-            </a:r>
-          </a:p>
-          <a:p>
-            <a:pPr lvl="1"/>
-            <a:r>
-              <a:rPr lang="en-US" dirty="0"/>
-              <a:t>Fourth nibble (LSN): Specific instruction</a:t>
-            </a:r>
-          </a:p>
-          <a:p>
-            <a:pPr lvl="1"/>
-            <a:endParaRPr lang="en-US" dirty="0"/>
-          </a:p>
-          <a:p>
-            <a:r>
-              <a:rPr lang="en-US" dirty="0"/>
-              <a:t>For 0x8342 that means:</a:t>
+              <a:rPr lang="en-US" sz="2400" dirty="0"/>
+              <a:t>We now take our “low byte” (memory[ProgramCounter++]) and we upcast that as well:</a:t>
             </a:r>
           </a:p>
           <a:p>
@@ -5235,21 +5275,158 @@
             </a:pPr>
             <a:r>
               <a:rPr lang="en-US" dirty="0"/>
-              <a:t>8XY2 Set VX to VX AND VY</a:t>
-            </a:r>
-          </a:p>
-          <a:p>
-            <a:endParaRPr lang="en-US" dirty="0"/>
-          </a:p>
-          <a:p>
-            <a:endParaRPr lang="en-US" dirty="0"/>
+              <a:t>    </a:t>
+            </a:r>
+          </a:p>
+          <a:p>
+            <a:pPr marL="457200" lvl="1" indent="0">
+              <a:buNone/>
+            </a:pPr>
+            <a:r>
+              <a:rPr lang="en-US" sz="3400" b="1" dirty="0"/>
+              <a:t>0100</a:t>
+            </a:r>
+            <a:r>
+              <a:rPr lang="en-US" sz="3400" dirty="0"/>
+              <a:t>_</a:t>
+            </a:r>
+            <a:r>
+              <a:rPr lang="en-US" sz="3400" b="1" dirty="0"/>
+              <a:t>0010</a:t>
+            </a:r>
+            <a:r>
+              <a:rPr lang="en-US" sz="3400" dirty="0"/>
+              <a:t> (0x42) -&gt; </a:t>
+            </a:r>
+            <a:r>
+              <a:rPr lang="en-US" sz="3400" b="1" dirty="0"/>
+              <a:t>0000</a:t>
+            </a:r>
+            <a:r>
+              <a:rPr lang="en-US" sz="3400" dirty="0"/>
+              <a:t>_</a:t>
+            </a:r>
+            <a:r>
+              <a:rPr lang="en-US" sz="3400" b="1" dirty="0"/>
+              <a:t>0000</a:t>
+            </a:r>
+            <a:r>
+              <a:rPr lang="en-US" sz="3400" dirty="0"/>
+              <a:t>_</a:t>
+            </a:r>
+            <a:r>
+              <a:rPr lang="en-US" sz="3400" b="1" dirty="0"/>
+              <a:t>0100</a:t>
+            </a:r>
+            <a:r>
+              <a:rPr lang="en-US" sz="3400" dirty="0"/>
+              <a:t>_</a:t>
+            </a:r>
+            <a:r>
+              <a:rPr lang="en-US" sz="3400" b="1" dirty="0"/>
+              <a:t>0010</a:t>
+            </a:r>
+            <a:r>
+              <a:rPr lang="en-US" sz="3400" dirty="0"/>
+              <a:t> </a:t>
+            </a:r>
+          </a:p>
+          <a:p>
+            <a:pPr marL="457200" lvl="1" indent="0">
+              <a:buNone/>
+            </a:pPr>
+            <a:endParaRPr lang="en-US" sz="3400" dirty="0"/>
+          </a:p>
+          <a:p>
+            <a:pPr marL="457200" lvl="1" indent="0">
+              <a:buNone/>
+            </a:pPr>
+            <a:r>
+              <a:rPr lang="en-US" dirty="0"/>
+              <a:t>(note: Why the 0’s this time?)</a:t>
+            </a:r>
+          </a:p>
+          <a:p>
+            <a:pPr marL="457200" lvl="1" indent="0">
+              <a:buNone/>
+            </a:pPr>
+            <a:endParaRPr lang="en-US" dirty="0"/>
+          </a:p>
+          <a:p>
+            <a:r>
+              <a:rPr lang="en-US" sz="2400" dirty="0"/>
+              <a:t>Then we AND the low byte value with 0x00FF (again, why?) and then we OR the high byte and low byte together:</a:t>
+            </a:r>
+          </a:p>
+          <a:p>
+            <a:endParaRPr lang="en-US" sz="2400" dirty="0"/>
+          </a:p>
+          <a:p>
+            <a:pPr marL="457200" lvl="1" indent="0">
+              <a:buNone/>
+            </a:pPr>
+            <a:r>
+              <a:rPr lang="en-US" dirty="0"/>
+              <a:t>    </a:t>
+            </a:r>
+            <a:r>
+              <a:rPr lang="en-US" sz="3400" b="1" dirty="0"/>
+              <a:t>1000</a:t>
+            </a:r>
+            <a:r>
+              <a:rPr lang="en-US" sz="3400" dirty="0"/>
+              <a:t>_</a:t>
+            </a:r>
+            <a:r>
+              <a:rPr lang="en-US" sz="3400" b="1" dirty="0"/>
+              <a:t>0011</a:t>
+            </a:r>
+            <a:r>
+              <a:rPr lang="en-US" sz="3400" dirty="0"/>
+              <a:t>_</a:t>
+            </a:r>
+            <a:r>
+              <a:rPr lang="en-US" sz="3400" b="1" dirty="0"/>
+              <a:t>0100</a:t>
+            </a:r>
+            <a:r>
+              <a:rPr lang="en-US" sz="3400" dirty="0"/>
+              <a:t>_</a:t>
+            </a:r>
+            <a:r>
+              <a:rPr lang="en-US" sz="3400" b="1" dirty="0"/>
+              <a:t>0010</a:t>
+            </a:r>
+            <a:r>
+              <a:rPr lang="en-US" sz="3400" dirty="0"/>
+              <a:t> (0x8342)</a:t>
+            </a:r>
+          </a:p>
+          <a:p>
+            <a:pPr marL="457200" lvl="1" indent="0">
+              <a:buNone/>
+            </a:pPr>
+            <a:endParaRPr lang="en-US" dirty="0"/>
+          </a:p>
+          <a:p>
+            <a:r>
+              <a:rPr lang="en-US" sz="2400" dirty="0"/>
+              <a:t>We have our instruction! </a:t>
+            </a:r>
+            <a:r>
+              <a:rPr lang="en-US" sz="2400" b="1" dirty="0"/>
+              <a:t>0x8342</a:t>
+            </a:r>
+          </a:p>
+          <a:p>
+            <a:endParaRPr lang="en-US" sz="2400" dirty="0"/>
           </a:p>
         </p:txBody>
       </p:sp>
     </p:spTree>
     <p:extLst>
       <p:ext uri="{BB962C8B-B14F-4D97-AF65-F5344CB8AC3E}">
-        <p14:creationId xmlns:p14="http://schemas.microsoft.com/office/powerpoint/2010/main" val="1149370666"/>
+        <p14:creationId xmlns:p14="http://schemas.microsoft.com/office/powerpoint/2010/main" val="239848546"/>
       </p:ext>
     </p:extLst>
   </p:cSld>
@@ -5281,7 +5458,7 @@
           <p:cNvPr id="2" name="Title 1">
             <a:extLst>
               <a:ext uri="{FF2B5EF4-FFF2-40B4-BE49-F238E27FC236}">
-                <a16:creationId xmlns:a16="http://schemas.microsoft.com/office/drawing/2014/main" id="{04291757-5F33-47D4-8B3A-D7173E4CDA4B}"/>
+                <a16:creationId xmlns:a16="http://schemas.microsoft.com/office/drawing/2014/main" id="{37EA6C71-6A91-401F-AAA1-EACAD9510931}"/>
               </a:ext>
             </a:extLst>
           </p:cNvPr>
@@ -5299,7 +5476,7 @@
           <a:p>
             <a:r>
               <a:rPr lang="en-US" dirty="0"/>
-              <a:t>Execute Order 66</a:t>
+              <a:t>Sync the Decoder Rings</a:t>
             </a:r>
           </a:p>
         </p:txBody>
@@ -5309,7 +5486,7 @@
           <p:cNvPr id="3" name="Content Placeholder 2">
             <a:extLst>
               <a:ext uri="{FF2B5EF4-FFF2-40B4-BE49-F238E27FC236}">
-                <a16:creationId xmlns:a16="http://schemas.microsoft.com/office/drawing/2014/main" id="{A6FDDAEC-6539-4BBF-AC70-C16089F0E9CE}"/>
+                <a16:creationId xmlns:a16="http://schemas.microsoft.com/office/drawing/2014/main" id="{E84AF227-060F-41AE-8766-684A634E6085}"/>
               </a:ext>
             </a:extLst>
           </p:cNvPr>
@@ -5322,40 +5499,144 @@
         </p:nvSpPr>
         <p:spPr/>
         <p:txBody>
-          <a:bodyPr/>
-          <a:lstStyle/>
-          <a:p>
-            <a:r>
-              <a:rPr lang="en-US" dirty="0"/>
-              <a:t>Now what? </a:t>
-            </a:r>
-          </a:p>
-          <a:p>
-            <a:endParaRPr lang="en-US" dirty="0"/>
-          </a:p>
-          <a:p>
-            <a:r>
-              <a:rPr lang="en-US" dirty="0"/>
-              <a:t>Fill those registers!</a:t>
-            </a:r>
-          </a:p>
-          <a:p>
-            <a:endParaRPr lang="en-US" dirty="0"/>
-          </a:p>
-          <a:p>
-            <a:r>
-              <a:rPr lang="en-US" dirty="0"/>
-              <a:t>We take the value of register v3, bitwise AND that with the value of register v4 and store that back in v3. </a:t>
-            </a:r>
-          </a:p>
-          <a:p>
-            <a:endParaRPr lang="en-US" dirty="0"/>
-          </a:p>
-          <a:p>
-            <a:r>
-              <a:rPr lang="en-US" dirty="0"/>
-              <a:t>We’ve performed our first instruction! We did math, pat yourself on the back!</a:t>
-            </a:r>
+          <a:bodyPr>
+            <a:normAutofit fontScale="55000" lnSpcReduction="20000"/>
+          </a:bodyPr>
+          <a:lstStyle/>
+          <a:p>
+            <a:r>
+              <a:rPr lang="en-US" dirty="0"/>
+              <a:t>What do we do with </a:t>
+            </a:r>
+            <a:r>
+              <a:rPr lang="en-US" b="1" dirty="0"/>
+              <a:t>0x8342</a:t>
+            </a:r>
+            <a:r>
+              <a:rPr lang="en-US" dirty="0"/>
+              <a:t>?</a:t>
+            </a:r>
+          </a:p>
+          <a:p>
+            <a:endParaRPr lang="en-US" dirty="0"/>
+          </a:p>
+          <a:p>
+            <a:r>
+              <a:rPr lang="en-US" dirty="0"/>
+              <a:t>We look it up and see what that means!</a:t>
+            </a:r>
+          </a:p>
+          <a:p>
+            <a:endParaRPr lang="en-US" dirty="0"/>
+          </a:p>
+          <a:p>
+            <a:r>
+              <a:rPr lang="en-US" dirty="0"/>
+              <a:t>All CHIP-8 instructions like this have a format that tell you it’s function and its variables.</a:t>
+            </a:r>
+          </a:p>
+          <a:p>
+            <a:endParaRPr lang="en-US" dirty="0"/>
+          </a:p>
+          <a:p>
+            <a:r>
+              <a:rPr lang="en-US" dirty="0"/>
+              <a:t>The highest “nibble, </a:t>
+            </a:r>
+            <a:r>
+              <a:rPr lang="en-US" b="1" dirty="0"/>
+              <a:t>8</a:t>
+            </a:r>
+            <a:r>
+              <a:rPr lang="en-US" dirty="0"/>
+              <a:t>, tells us this is an arithmetic function. Looking that up, we can now know what to do with the rest of the nibbles:</a:t>
+            </a:r>
+          </a:p>
+          <a:p>
+            <a:endParaRPr lang="en-US" dirty="0"/>
+          </a:p>
+          <a:p>
+            <a:r>
+              <a:rPr lang="en-US" dirty="0"/>
+              <a:t>Now that we know the instruction “family”, we can see that the 0x8xxx functions all follow the formula of:</a:t>
+            </a:r>
+          </a:p>
+          <a:p>
+            <a:pPr lvl="1"/>
+            <a:r>
+              <a:rPr lang="en-US" dirty="0"/>
+              <a:t>First nibble (MSN): family (</a:t>
+            </a:r>
+            <a:r>
+              <a:rPr lang="en-US" b="1" dirty="0"/>
+              <a:t>8</a:t>
+            </a:r>
+            <a:r>
+              <a:rPr lang="en-US" dirty="0"/>
+              <a:t>)</a:t>
+            </a:r>
+          </a:p>
+          <a:p>
+            <a:pPr lvl="1"/>
+            <a:r>
+              <a:rPr lang="en-US" dirty="0"/>
+              <a:t>Second nibble: variable X value (</a:t>
+            </a:r>
+            <a:r>
+              <a:rPr lang="en-US" b="1" dirty="0"/>
+              <a:t>3</a:t>
+            </a:r>
+            <a:r>
+              <a:rPr lang="en-US" dirty="0"/>
+              <a:t>)</a:t>
+            </a:r>
+          </a:p>
+          <a:p>
+            <a:pPr lvl="1"/>
+            <a:r>
+              <a:rPr lang="en-US" dirty="0"/>
+              <a:t>Third nibble: variable Y value (</a:t>
+            </a:r>
+            <a:r>
+              <a:rPr lang="en-US" b="1" dirty="0"/>
+              <a:t>4</a:t>
+            </a:r>
+            <a:r>
+              <a:rPr lang="en-US" dirty="0"/>
+              <a:t>)</a:t>
+            </a:r>
+          </a:p>
+          <a:p>
+            <a:pPr lvl="1"/>
+            <a:r>
+              <a:rPr lang="en-US" dirty="0"/>
+              <a:t>Fourth nibble (LSN): Specific instruction (</a:t>
+            </a:r>
+            <a:r>
+              <a:rPr lang="en-US" b="1" dirty="0"/>
+              <a:t>2</a:t>
+            </a:r>
+            <a:r>
+              <a:rPr lang="en-US" dirty="0"/>
+              <a:t>)</a:t>
+            </a:r>
+          </a:p>
+          <a:p>
+            <a:pPr lvl="1"/>
+            <a:endParaRPr lang="en-US" dirty="0"/>
+          </a:p>
+          <a:p>
+            <a:r>
+              <a:rPr lang="en-US" dirty="0"/>
+              <a:t>For 0x8342 that means: </a:t>
+            </a:r>
+            <a:r>
+              <a:rPr lang="en-US" b="1" dirty="0"/>
+              <a:t>8XY2 - Set VX to VX AND VY</a:t>
+            </a:r>
+          </a:p>
+          <a:p>
+            <a:endParaRPr lang="en-US" dirty="0"/>
           </a:p>
           <a:p>
             <a:endParaRPr lang="en-US" dirty="0"/>
@@ -5365,7 +5646,7 @@
     </p:spTree>
     <p:extLst>
       <p:ext uri="{BB962C8B-B14F-4D97-AF65-F5344CB8AC3E}">
-        <p14:creationId xmlns:p14="http://schemas.microsoft.com/office/powerpoint/2010/main" val="3863334222"/>
+        <p14:creationId xmlns:p14="http://schemas.microsoft.com/office/powerpoint/2010/main" val="1149370666"/>
       </p:ext>
     </p:extLst>
   </p:cSld>
@@ -5536,7 +5817,7 @@
           <p:cNvPr id="2" name="Title 1">
             <a:extLst>
               <a:ext uri="{FF2B5EF4-FFF2-40B4-BE49-F238E27FC236}">
-                <a16:creationId xmlns:a16="http://schemas.microsoft.com/office/drawing/2014/main" id="{434166A5-A525-48C3-8207-5DBC99F2888B}"/>
+                <a16:creationId xmlns:a16="http://schemas.microsoft.com/office/drawing/2014/main" id="{04291757-5F33-47D4-8B3A-D7173E4CDA4B}"/>
               </a:ext>
             </a:extLst>
           </p:cNvPr>
@@ -5564,7 +5845,7 @@
           <p:cNvPr id="3" name="Content Placeholder 2">
             <a:extLst>
               <a:ext uri="{FF2B5EF4-FFF2-40B4-BE49-F238E27FC236}">
-                <a16:creationId xmlns:a16="http://schemas.microsoft.com/office/drawing/2014/main" id="{EBF482C5-CE9E-4D03-9B76-3517DF65FA20}"/>
+                <a16:creationId xmlns:a16="http://schemas.microsoft.com/office/drawing/2014/main" id="{A6FDDAEC-6539-4BBF-AC70-C16089F0E9CE}"/>
               </a:ext>
             </a:extLst>
           </p:cNvPr>
@@ -5582,31 +5863,69 @@
           <a:p>
             <a:r>
               <a:rPr lang="en-US" dirty="0"/>
-              <a:t>There are many such opcodes for CHIP-8.</a:t>
-            </a:r>
-          </a:p>
-          <a:p>
-            <a:endParaRPr lang="en-US" dirty="0"/>
-          </a:p>
-          <a:p>
-            <a:r>
-              <a:rPr lang="en-US" dirty="0"/>
-              <a:t>They handle arithmetic, drawing to the screen, sound, etc.</a:t>
-            </a:r>
-          </a:p>
-          <a:p>
-            <a:endParaRPr lang="en-US" dirty="0"/>
-          </a:p>
-          <a:p>
-            <a:r>
-              <a:rPr lang="en-US" dirty="0"/>
-              <a:t>Each pass of the decode phase you increment the program counter, take the opcode, find the correct operation and fill in the registers to match.</a:t>
-            </a:r>
-          </a:p>
-          <a:p>
-            <a:pPr marL="0" indent="0">
-              <a:buNone/>
-            </a:pPr>
+              <a:t>Now what? </a:t>
+            </a:r>
+          </a:p>
+          <a:p>
+            <a:endParaRPr lang="en-US" dirty="0"/>
+          </a:p>
+          <a:p>
+            <a:r>
+              <a:rPr lang="en-US" dirty="0"/>
+              <a:t>Fill those registers!</a:t>
+            </a:r>
+          </a:p>
+          <a:p>
+            <a:endParaRPr lang="en-US" dirty="0"/>
+          </a:p>
+          <a:p>
+            <a:r>
+              <a:rPr lang="en-US" dirty="0"/>
+              <a:t>We take the value of register </a:t>
+            </a:r>
+            <a:r>
+              <a:rPr lang="en-US" b="1" dirty="0"/>
+              <a:t>v3</a:t>
+            </a:r>
+            <a:r>
+              <a:rPr lang="en-US" dirty="0"/>
+              <a:t>, bitwise </a:t>
+            </a:r>
+            <a:r>
+              <a:rPr lang="en-US" b="1" dirty="0"/>
+              <a:t>AND</a:t>
+            </a:r>
+            <a:r>
+              <a:rPr lang="en-US" dirty="0"/>
+              <a:t> that with the value of register </a:t>
+            </a:r>
+            <a:r>
+              <a:rPr lang="en-US" b="1" dirty="0"/>
+              <a:t>v4</a:t>
+            </a:r>
+            <a:r>
+              <a:rPr lang="en-US" dirty="0"/>
+              <a:t> and store that back in </a:t>
+            </a:r>
+            <a:r>
+              <a:rPr lang="en-US" b="1" dirty="0"/>
+              <a:t>v3</a:t>
+            </a:r>
+            <a:r>
+              <a:rPr lang="en-US" dirty="0"/>
+              <a:t>. </a:t>
+            </a:r>
+          </a:p>
+          <a:p>
+            <a:endParaRPr lang="en-US" dirty="0"/>
+          </a:p>
+          <a:p>
+            <a:r>
+              <a:rPr lang="en-US" dirty="0"/>
+              <a:t>We’ve performed our first instruction! We did math, pat yourself on the back!</a:t>
+            </a:r>
+          </a:p>
+          <a:p>
             <a:endParaRPr lang="en-US" dirty="0"/>
           </a:p>
         </p:txBody>
@@ -5614,7 +5933,7 @@
     </p:spTree>
     <p:extLst>
       <p:ext uri="{BB962C8B-B14F-4D97-AF65-F5344CB8AC3E}">
-        <p14:creationId xmlns:p14="http://schemas.microsoft.com/office/powerpoint/2010/main" val="52050676"/>
+        <p14:creationId xmlns:p14="http://schemas.microsoft.com/office/powerpoint/2010/main" val="3863334222"/>
       </p:ext>
     </p:extLst>
   </p:cSld>
@@ -5646,7 +5965,7 @@
           <p:cNvPr id="2" name="Title 1">
             <a:extLst>
               <a:ext uri="{FF2B5EF4-FFF2-40B4-BE49-F238E27FC236}">
-                <a16:creationId xmlns:a16="http://schemas.microsoft.com/office/drawing/2014/main" id="{E1BD682A-A888-43F3-9EB6-C2956EAB49DC}"/>
+                <a16:creationId xmlns:a16="http://schemas.microsoft.com/office/drawing/2014/main" id="{434166A5-A525-48C3-8207-5DBC99F2888B}"/>
               </a:ext>
             </a:extLst>
           </p:cNvPr>
@@ -5664,7 +5983,7 @@
           <a:p>
             <a:r>
               <a:rPr lang="en-US" dirty="0"/>
-              <a:t>Going with the Flow</a:t>
+              <a:t>Execute Order 66</a:t>
             </a:r>
           </a:p>
         </p:txBody>
@@ -5674,7 +5993,7 @@
           <p:cNvPr id="3" name="Content Placeholder 2">
             <a:extLst>
               <a:ext uri="{FF2B5EF4-FFF2-40B4-BE49-F238E27FC236}">
-                <a16:creationId xmlns:a16="http://schemas.microsoft.com/office/drawing/2014/main" id="{89EC1301-DB8E-4660-9726-35A4EF8D93EE}"/>
+                <a16:creationId xmlns:a16="http://schemas.microsoft.com/office/drawing/2014/main" id="{EBF482C5-CE9E-4D03-9B76-3517DF65FA20}"/>
               </a:ext>
             </a:extLst>
           </p:cNvPr>
@@ -5692,33 +6011,39 @@
           <a:p>
             <a:r>
               <a:rPr lang="en-US" dirty="0"/>
-              <a:t>The rest of the program’s flow is just repeating this same 3 step process.</a:t>
-            </a:r>
-          </a:p>
-          <a:p>
-            <a:endParaRPr lang="en-US" dirty="0"/>
-          </a:p>
-          <a:p>
-            <a:r>
-              <a:rPr lang="en-US" dirty="0"/>
-              <a:t>Loop back around, fetch a new opcode, find the operation and execute it.</a:t>
-            </a:r>
-          </a:p>
-          <a:p>
-            <a:endParaRPr lang="en-US" dirty="0"/>
-          </a:p>
-          <a:p>
-            <a:r>
-              <a:rPr lang="en-US" dirty="0"/>
-              <a:t>The program will either loop back on itself (programs do that, ya know) or we hit the end of memory space.</a:t>
-            </a:r>
+              <a:t>There are many such opcodes for CHIP-8.</a:t>
+            </a:r>
+          </a:p>
+          <a:p>
+            <a:endParaRPr lang="en-US" dirty="0"/>
+          </a:p>
+          <a:p>
+            <a:r>
+              <a:rPr lang="en-US" dirty="0"/>
+              <a:t>They handle arithmetic, drawing to the screen, sound, etc.</a:t>
+            </a:r>
+          </a:p>
+          <a:p>
+            <a:endParaRPr lang="en-US" dirty="0"/>
+          </a:p>
+          <a:p>
+            <a:r>
+              <a:rPr lang="en-US" dirty="0"/>
+              <a:t>Each pass of the decode phase you increment the program counter, take the opcode, find the correct operation and fill in the registers to match.</a:t>
+            </a:r>
+          </a:p>
+          <a:p>
+            <a:pPr marL="0" indent="0">
+              <a:buNone/>
+            </a:pPr>
+            <a:endParaRPr lang="en-US" dirty="0"/>
           </a:p>
         </p:txBody>
       </p:sp>
     </p:spTree>
     <p:extLst>
       <p:ext uri="{BB962C8B-B14F-4D97-AF65-F5344CB8AC3E}">
-        <p14:creationId xmlns:p14="http://schemas.microsoft.com/office/powerpoint/2010/main" val="1404802922"/>
+        <p14:creationId xmlns:p14="http://schemas.microsoft.com/office/powerpoint/2010/main" val="52050676"/>
       </p:ext>
     </p:extLst>
   </p:cSld>
@@ -5750,7 +6075,7 @@
           <p:cNvPr id="2" name="Title 1">
             <a:extLst>
               <a:ext uri="{FF2B5EF4-FFF2-40B4-BE49-F238E27FC236}">
-                <a16:creationId xmlns:a16="http://schemas.microsoft.com/office/drawing/2014/main" id="{A1DCC2FC-A9E0-42A6-BEDF-75AA858C0E5D}"/>
+                <a16:creationId xmlns:a16="http://schemas.microsoft.com/office/drawing/2014/main" id="{E1BD682A-A888-43F3-9EB6-C2956EAB49DC}"/>
               </a:ext>
             </a:extLst>
           </p:cNvPr>
@@ -5768,7 +6093,7 @@
           <a:p>
             <a:r>
               <a:rPr lang="en-US" dirty="0"/>
-              <a:t>Well, what about sound? </a:t>
+              <a:t>Going with the Flow</a:t>
             </a:r>
           </a:p>
         </p:txBody>
@@ -5778,7 +6103,7 @@
           <p:cNvPr id="3" name="Content Placeholder 2">
             <a:extLst>
               <a:ext uri="{FF2B5EF4-FFF2-40B4-BE49-F238E27FC236}">
-                <a16:creationId xmlns:a16="http://schemas.microsoft.com/office/drawing/2014/main" id="{FCA80B97-7B94-41B4-9FC2-C3F8C9003D8C}"/>
+                <a16:creationId xmlns:a16="http://schemas.microsoft.com/office/drawing/2014/main" id="{89EC1301-DB8E-4660-9726-35A4EF8D93EE}"/>
               </a:ext>
             </a:extLst>
           </p:cNvPr>
@@ -5791,64 +6116,30 @@
         </p:nvSpPr>
         <p:spPr/>
         <p:txBody>
-          <a:bodyPr>
-            <a:normAutofit fontScale="85000" lnSpcReduction="20000"/>
-          </a:bodyPr>
-          <a:lstStyle/>
-          <a:p>
-            <a:r>
-              <a:rPr lang="en-US" dirty="0"/>
-              <a:t>Remember those two timers, delay and sound?</a:t>
-            </a:r>
-          </a:p>
-          <a:p>
-            <a:endParaRPr lang="en-US" dirty="0"/>
-          </a:p>
-          <a:p>
-            <a:r>
-              <a:rPr lang="en-US" dirty="0"/>
-              <a:t>Well, when sound &gt; 0, a single tone is played. </a:t>
-            </a:r>
-          </a:p>
-          <a:p>
-            <a:endParaRPr lang="en-US" dirty="0"/>
-          </a:p>
-          <a:p>
-            <a:r>
-              <a:rPr lang="en-US" dirty="0"/>
-              <a:t>That timer counts down by 1 at a steady 60hz. That means the bigger the number, the longer the sound will play.</a:t>
-            </a:r>
-          </a:p>
-          <a:p>
-            <a:endParaRPr lang="en-US" dirty="0"/>
-          </a:p>
-          <a:p>
-            <a:r>
-              <a:rPr lang="en-US" dirty="0"/>
-              <a:t>Clever, huh?</a:t>
-            </a:r>
-          </a:p>
-          <a:p>
-            <a:endParaRPr lang="en-US" dirty="0"/>
-          </a:p>
-          <a:p>
-            <a:r>
-              <a:rPr lang="en-US" dirty="0"/>
-              <a:t>The setting of the timers controlled by two opcodes:</a:t>
-            </a:r>
-          </a:p>
-          <a:p>
-            <a:pPr lvl="1"/>
-            <a:r>
-              <a:rPr lang="en-US" dirty="0"/>
-              <a:t>0xFx18 - LD ST, Vx </a:t>
-            </a:r>
-          </a:p>
-          <a:p>
-            <a:pPr lvl="1"/>
-            <a:r>
-              <a:rPr lang="en-US" dirty="0"/>
-              <a:t>0xFx07 - LD Vx, DT</a:t>
+          <a:bodyPr/>
+          <a:lstStyle/>
+          <a:p>
+            <a:r>
+              <a:rPr lang="en-US" dirty="0"/>
+              <a:t>The rest of the program’s flow is just repeating this same 3 step process.</a:t>
+            </a:r>
+          </a:p>
+          <a:p>
+            <a:endParaRPr lang="en-US" dirty="0"/>
+          </a:p>
+          <a:p>
+            <a:r>
+              <a:rPr lang="en-US" dirty="0"/>
+              <a:t>Loop back around, fetch a new opcode, find the operation and execute it.</a:t>
+            </a:r>
+          </a:p>
+          <a:p>
+            <a:endParaRPr lang="en-US" dirty="0"/>
+          </a:p>
+          <a:p>
+            <a:r>
+              <a:rPr lang="en-US" dirty="0"/>
+              <a:t>The program will either loop back on itself (programs do that, ya know) or we hit the end of memory space.</a:t>
             </a:r>
           </a:p>
         </p:txBody>
@@ -5856,7 +6147,7 @@
     </p:spTree>
     <p:extLst>
       <p:ext uri="{BB962C8B-B14F-4D97-AF65-F5344CB8AC3E}">
-        <p14:creationId xmlns:p14="http://schemas.microsoft.com/office/powerpoint/2010/main" val="2125412431"/>
+        <p14:creationId xmlns:p14="http://schemas.microsoft.com/office/powerpoint/2010/main" val="1404802922"/>
       </p:ext>
     </p:extLst>
   </p:cSld>
@@ -5888,6 +6179,144 @@
           <p:cNvPr id="2" name="Title 1">
             <a:extLst>
               <a:ext uri="{FF2B5EF4-FFF2-40B4-BE49-F238E27FC236}">
+                <a16:creationId xmlns:a16="http://schemas.microsoft.com/office/drawing/2014/main" id="{A1DCC2FC-A9E0-42A6-BEDF-75AA858C0E5D}"/>
+              </a:ext>
+            </a:extLst>
+          </p:cNvPr>
+          <p:cNvSpPr>
+            <a:spLocks noGrp="1"/>
+          </p:cNvSpPr>
+          <p:nvPr>
+            <p:ph type="title"/>
+          </p:nvPr>
+        </p:nvSpPr>
+        <p:spPr/>
+        <p:txBody>
+          <a:bodyPr/>
+          <a:lstStyle/>
+          <a:p>
+            <a:r>
+              <a:rPr lang="en-US" dirty="0"/>
+              <a:t>Well, what about sound? </a:t>
+            </a:r>
+          </a:p>
+        </p:txBody>
+      </p:sp>
+      <p:sp>
+        <p:nvSpPr>
+          <p:cNvPr id="3" name="Content Placeholder 2">
+            <a:extLst>
+              <a:ext uri="{FF2B5EF4-FFF2-40B4-BE49-F238E27FC236}">
+                <a16:creationId xmlns:a16="http://schemas.microsoft.com/office/drawing/2014/main" id="{FCA80B97-7B94-41B4-9FC2-C3F8C9003D8C}"/>
+              </a:ext>
+            </a:extLst>
+          </p:cNvPr>
+          <p:cNvSpPr>
+            <a:spLocks noGrp="1"/>
+          </p:cNvSpPr>
+          <p:nvPr>
+            <p:ph idx="1"/>
+          </p:nvPr>
+        </p:nvSpPr>
+        <p:spPr/>
+        <p:txBody>
+          <a:bodyPr>
+            <a:normAutofit fontScale="85000" lnSpcReduction="20000"/>
+          </a:bodyPr>
+          <a:lstStyle/>
+          <a:p>
+            <a:r>
+              <a:rPr lang="en-US" dirty="0"/>
+              <a:t>Remember those two timers, delay and sound?</a:t>
+            </a:r>
+          </a:p>
+          <a:p>
+            <a:endParaRPr lang="en-US" dirty="0"/>
+          </a:p>
+          <a:p>
+            <a:r>
+              <a:rPr lang="en-US" dirty="0"/>
+              <a:t>Well, when sound &gt; 0, a single tone is played. </a:t>
+            </a:r>
+          </a:p>
+          <a:p>
+            <a:endParaRPr lang="en-US" dirty="0"/>
+          </a:p>
+          <a:p>
+            <a:r>
+              <a:rPr lang="en-US" dirty="0"/>
+              <a:t>That timer counts down by 1 at a steady 60hz. That means the bigger the number, the longer the sound will play.</a:t>
+            </a:r>
+          </a:p>
+          <a:p>
+            <a:endParaRPr lang="en-US" dirty="0"/>
+          </a:p>
+          <a:p>
+            <a:r>
+              <a:rPr lang="en-US" dirty="0"/>
+              <a:t>Clever, huh?</a:t>
+            </a:r>
+          </a:p>
+          <a:p>
+            <a:endParaRPr lang="en-US" dirty="0"/>
+          </a:p>
+          <a:p>
+            <a:r>
+              <a:rPr lang="en-US" dirty="0"/>
+              <a:t>The setting of the timers controlled by two opcodes:</a:t>
+            </a:r>
+          </a:p>
+          <a:p>
+            <a:pPr lvl="1"/>
+            <a:r>
+              <a:rPr lang="en-US" dirty="0"/>
+              <a:t>0xFx18 - LD ST, Vx </a:t>
+            </a:r>
+          </a:p>
+          <a:p>
+            <a:pPr lvl="1"/>
+            <a:r>
+              <a:rPr lang="en-US" dirty="0"/>
+              <a:t>0xFx07 - LD Vx, DT</a:t>
+            </a:r>
+          </a:p>
+        </p:txBody>
+      </p:sp>
+    </p:spTree>
+    <p:extLst>
+      <p:ext uri="{BB962C8B-B14F-4D97-AF65-F5344CB8AC3E}">
+        <p14:creationId xmlns:p14="http://schemas.microsoft.com/office/powerpoint/2010/main" val="2125412431"/>
+      </p:ext>
+    </p:extLst>
+  </p:cSld>
+  <p:clrMapOvr>
+    <a:masterClrMapping/>
+  </p:clrMapOvr>
+</p:sld>
+</file>
+
+<file path=ppt/slides/slide24.xml><?xml version="1.0" encoding="utf-8"?>
+<p:sld xmlns:a="http://schemas.openxmlformats.org/drawingml/2006/main" xmlns:r="http://schemas.openxmlformats.org/officeDocument/2006/relationships" xmlns:p="http://schemas.openxmlformats.org/presentationml/2006/main">
+  <p:cSld>
+    <p:spTree>
+      <p:nvGrpSpPr>
+        <p:cNvPr id="1" name=""/>
+        <p:cNvGrpSpPr/>
+        <p:nvPr/>
+      </p:nvGrpSpPr>
+      <p:grpSpPr>
+        <a:xfrm>
+          <a:off x="0" y="0"/>
+          <a:ext cx="0" cy="0"/>
+          <a:chOff x="0" y="0"/>
+          <a:chExt cx="0" cy="0"/>
+        </a:xfrm>
+      </p:grpSpPr>
+      <p:sp>
+        <p:nvSpPr>
+          <p:cNvPr id="2" name="Title 1">
+            <a:extLst>
+              <a:ext uri="{FF2B5EF4-FFF2-40B4-BE49-F238E27FC236}">
                 <a16:creationId xmlns:a16="http://schemas.microsoft.com/office/drawing/2014/main" id="{77A82E29-F987-40DE-A4CD-13367C6581B1}"/>
               </a:ext>
             </a:extLst>
@@ -5936,56 +6365,370 @@
           <a:p>
             <a:r>
               <a:rPr lang="en-US" dirty="0"/>
-              <a:t>CHIP-8 video is a 64x32 canvas that allows sprites that are 8 bits wide by n bits tall to be drawn to the screen.</a:t>
-            </a:r>
-          </a:p>
-          <a:p>
-            <a:pPr lvl="1"/>
-            <a:r>
-              <a:rPr lang="en-US" dirty="0"/>
-              <a:t>Rasterized drawing (i.e. drawing pixel by pixel) is not allowed. </a:t>
-            </a:r>
-          </a:p>
-          <a:p>
-            <a:pPr lvl="1"/>
-            <a:r>
-              <a:rPr lang="en-US" dirty="0"/>
-              <a:t>The operation is Dxyn - DRW Vx, Vy, nibble</a:t>
-            </a:r>
-          </a:p>
-          <a:p>
-            <a:r>
-              <a:rPr lang="en-US" dirty="0"/>
-              <a:t>We read 8 bits, an x coordinate, a y coordinate and then we write them at (x…x+i, i) by XORing them with the current bits on screen.</a:t>
-            </a:r>
-          </a:p>
-          <a:p>
-            <a:r>
-              <a:rPr lang="en-US" dirty="0"/>
-              <a:t>If a bit is turned off, we have a collision and a flag is set.</a:t>
-            </a:r>
-          </a:p>
-          <a:p>
-            <a:r>
-              <a:rPr lang="en-US" dirty="0"/>
-              <a:t>We increment y and then repeat. Example Sprite:</a:t>
-            </a:r>
-          </a:p>
-          <a:p>
-            <a:endParaRPr lang="en-US" dirty="0"/>
-          </a:p>
-          <a:p>
-            <a:endParaRPr lang="en-US" dirty="0"/>
-          </a:p>
-          <a:p>
-            <a:endParaRPr lang="en-US" dirty="0"/>
-          </a:p>
-          <a:p>
-            <a:endParaRPr lang="en-US" dirty="0"/>
-          </a:p>
-          <a:p>
-            <a:endParaRPr lang="en-US" dirty="0"/>
-          </a:p>
+              <a:t>CHIP-8 video is a 64x32 canvas that allows sprites that are </a:t>
+            </a:r>
+            <a:r>
+              <a:rPr lang="en-US" b="1" dirty="0"/>
+              <a:t>8</a:t>
+            </a:r>
+            <a:r>
+              <a:rPr lang="en-US" dirty="0"/>
+              <a:t> bits wide by </a:t>
+            </a:r>
+            <a:r>
+              <a:rPr lang="en-US" b="1" dirty="0"/>
+              <a:t>n</a:t>
+            </a:r>
+            <a:r>
+              <a:rPr lang="en-US" dirty="0"/>
+              <a:t> bits tall to be drawn to the screen.</a:t>
+            </a:r>
+          </a:p>
+          <a:p>
+            <a:endParaRPr lang="en-US" dirty="0"/>
+          </a:p>
+          <a:p>
+            <a:r>
+              <a:rPr lang="en-US" dirty="0"/>
+              <a:t>Rasterized drawing (ex. drawing pixel by pixel) is not allowed. </a:t>
+            </a:r>
+          </a:p>
+          <a:p>
+            <a:endParaRPr lang="en-US" dirty="0"/>
+          </a:p>
+          <a:p>
+            <a:r>
+              <a:rPr lang="en-US" dirty="0"/>
+              <a:t>The operation is Dxyn - DRW Vx, Vy, n</a:t>
+            </a:r>
+          </a:p>
+          <a:p>
+            <a:endParaRPr lang="en-US" dirty="0"/>
+          </a:p>
+          <a:p>
+            <a:endParaRPr lang="en-US" dirty="0"/>
+          </a:p>
+          <a:p>
+            <a:endParaRPr lang="en-US" dirty="0"/>
+          </a:p>
+          <a:p>
+            <a:endParaRPr lang="en-US" dirty="0"/>
+          </a:p>
+          <a:p>
+            <a:endParaRPr lang="en-US" dirty="0"/>
+          </a:p>
+        </p:txBody>
+      </p:sp>
+      <p:sp>
+        <p:nvSpPr>
+          <p:cNvPr id="6" name="Footer Placeholder 5">
+            <a:extLst>
+              <a:ext uri="{FF2B5EF4-FFF2-40B4-BE49-F238E27FC236}">
+                <a16:creationId xmlns:a16="http://schemas.microsoft.com/office/drawing/2014/main" id="{18FB8864-7155-4505-B0BF-F54A94502ED8}"/>
+              </a:ext>
+            </a:extLst>
+          </p:cNvPr>
+          <p:cNvSpPr>
+            <a:spLocks noGrp="1"/>
+          </p:cNvSpPr>
+          <p:nvPr>
+            <p:ph type="ftr" sz="quarter" idx="11"/>
+          </p:nvPr>
+        </p:nvSpPr>
+        <p:spPr/>
+        <p:txBody>
+          <a:bodyPr/>
+          <a:lstStyle/>
+          <a:p>
+            <a:r>
+              <a:rPr lang="en-US" dirty="0"/>
+              <a:t>http://devernay.free.fr/hacks/chip8/C8TECH10.HTM#font</a:t>
+            </a:r>
+          </a:p>
+        </p:txBody>
+      </p:sp>
+    </p:spTree>
+    <p:extLst>
+      <p:ext uri="{BB962C8B-B14F-4D97-AF65-F5344CB8AC3E}">
+        <p14:creationId xmlns:p14="http://schemas.microsoft.com/office/powerpoint/2010/main" val="1113117830"/>
+      </p:ext>
+    </p:extLst>
+  </p:cSld>
+  <p:clrMapOvr>
+    <a:masterClrMapping/>
+  </p:clrMapOvr>
+</p:sld>
+</file>
+
+<file path=ppt/slides/slide25.xml><?xml version="1.0" encoding="utf-8"?>
+<p:sld xmlns:a="http://schemas.openxmlformats.org/drawingml/2006/main" xmlns:r="http://schemas.openxmlformats.org/officeDocument/2006/relationships" xmlns:p="http://schemas.openxmlformats.org/presentationml/2006/main">
+  <p:cSld>
+    <p:spTree>
+      <p:nvGrpSpPr>
+        <p:cNvPr id="1" name=""/>
+        <p:cNvGrpSpPr/>
+        <p:nvPr/>
+      </p:nvGrpSpPr>
+      <p:grpSpPr>
+        <a:xfrm>
+          <a:off x="0" y="0"/>
+          <a:ext cx="0" cy="0"/>
+          <a:chOff x="0" y="0"/>
+          <a:chExt cx="0" cy="0"/>
+        </a:xfrm>
+      </p:grpSpPr>
+      <p:sp>
+        <p:nvSpPr>
+          <p:cNvPr id="2" name="Title 1">
+            <a:extLst>
+              <a:ext uri="{FF2B5EF4-FFF2-40B4-BE49-F238E27FC236}">
+                <a16:creationId xmlns:a16="http://schemas.microsoft.com/office/drawing/2014/main" id="{AE74B01D-26B4-4EE3-B0DF-3C5BF71E4252}"/>
+              </a:ext>
+            </a:extLst>
+          </p:cNvPr>
+          <p:cNvSpPr>
+            <a:spLocks noGrp="1"/>
+          </p:cNvSpPr>
+          <p:nvPr>
+            <p:ph type="title"/>
+          </p:nvPr>
+        </p:nvSpPr>
+        <p:spPr/>
+        <p:txBody>
+          <a:bodyPr/>
+          <a:lstStyle/>
+          <a:p>
+            <a:r>
+              <a:rPr lang="en-US" dirty="0"/>
+              <a:t>And Video? </a:t>
+            </a:r>
+          </a:p>
+        </p:txBody>
+      </p:sp>
+      <p:sp>
+        <p:nvSpPr>
+          <p:cNvPr id="3" name="Content Placeholder 2">
+            <a:extLst>
+              <a:ext uri="{FF2B5EF4-FFF2-40B4-BE49-F238E27FC236}">
+                <a16:creationId xmlns:a16="http://schemas.microsoft.com/office/drawing/2014/main" id="{CD96572E-E06C-42C8-B9D4-AC7960DF432B}"/>
+              </a:ext>
+            </a:extLst>
+          </p:cNvPr>
+          <p:cNvSpPr>
+            <a:spLocks noGrp="1"/>
+          </p:cNvSpPr>
+          <p:nvPr>
+            <p:ph idx="1"/>
+          </p:nvPr>
+        </p:nvSpPr>
+        <p:spPr/>
+        <p:txBody>
+          <a:bodyPr>
+            <a:normAutofit/>
+          </a:bodyPr>
+          <a:lstStyle/>
+          <a:p>
+            <a:r>
+              <a:rPr lang="en-US" dirty="0"/>
+              <a:t>We point to the memory location in our </a:t>
+            </a:r>
+            <a:r>
+              <a:rPr lang="en-US" b="1" dirty="0"/>
+              <a:t>instruction register</a:t>
+            </a:r>
+            <a:r>
+              <a:rPr lang="en-US" dirty="0"/>
+              <a:t>. This is our first </a:t>
+            </a:r>
+            <a:r>
+              <a:rPr lang="en-US" b="1" dirty="0"/>
+              <a:t>sprite line.</a:t>
+            </a:r>
+            <a:endParaRPr lang="en-US" dirty="0"/>
+          </a:p>
+          <a:p>
+            <a:pPr marL="457200" lvl="1" indent="0">
+              <a:buNone/>
+            </a:pPr>
+            <a:endParaRPr lang="en-US" dirty="0"/>
+          </a:p>
+          <a:p>
+            <a:r>
+              <a:rPr lang="en-US" dirty="0"/>
+              <a:t>We take those 8 bits and write them starting at our (vX, vY) on screen.</a:t>
+            </a:r>
+          </a:p>
+          <a:p>
+            <a:endParaRPr lang="en-US" dirty="0"/>
+          </a:p>
+          <a:p>
+            <a:r>
+              <a:rPr lang="en-US" dirty="0"/>
+              <a:t>If a bit is turned off, we have a collision has happened and a flag is set.</a:t>
+            </a:r>
+          </a:p>
+          <a:p>
+            <a:endParaRPr lang="en-US" dirty="0"/>
+          </a:p>
+          <a:p>
+            <a:r>
+              <a:rPr lang="en-US" dirty="0"/>
+              <a:t>We increment y and then repeat until y == n. </a:t>
+            </a:r>
+          </a:p>
+        </p:txBody>
+      </p:sp>
+    </p:spTree>
+    <p:extLst>
+      <p:ext uri="{BB962C8B-B14F-4D97-AF65-F5344CB8AC3E}">
+        <p14:creationId xmlns:p14="http://schemas.microsoft.com/office/powerpoint/2010/main" val="1322345773"/>
+      </p:ext>
+    </p:extLst>
+  </p:cSld>
+  <p:clrMapOvr>
+    <a:masterClrMapping/>
+  </p:clrMapOvr>
+</p:sld>
+</file>
+
+<file path=ppt/slides/slide26.xml><?xml version="1.0" encoding="utf-8"?>
+<p:sld xmlns:a="http://schemas.openxmlformats.org/drawingml/2006/main" xmlns:r="http://schemas.openxmlformats.org/officeDocument/2006/relationships" xmlns:p="http://schemas.openxmlformats.org/presentationml/2006/main">
+  <p:cSld>
+    <p:spTree>
+      <p:nvGrpSpPr>
+        <p:cNvPr id="1" name=""/>
+        <p:cNvGrpSpPr/>
+        <p:nvPr/>
+      </p:nvGrpSpPr>
+      <p:grpSpPr>
+        <a:xfrm>
+          <a:off x="0" y="0"/>
+          <a:ext cx="0" cy="0"/>
+          <a:chOff x="0" y="0"/>
+          <a:chExt cx="0" cy="0"/>
+        </a:xfrm>
+      </p:grpSpPr>
+      <p:sp>
+        <p:nvSpPr>
+          <p:cNvPr id="2" name="Title 1">
+            <a:extLst>
+              <a:ext uri="{FF2B5EF4-FFF2-40B4-BE49-F238E27FC236}">
+                <a16:creationId xmlns:a16="http://schemas.microsoft.com/office/drawing/2014/main" id="{5E55E8F7-29BC-4867-891C-96E45E9F5FCB}"/>
+              </a:ext>
+            </a:extLst>
+          </p:cNvPr>
+          <p:cNvSpPr>
+            <a:spLocks noGrp="1"/>
+          </p:cNvSpPr>
+          <p:nvPr>
+            <p:ph type="title"/>
+          </p:nvPr>
+        </p:nvSpPr>
+        <p:spPr/>
+        <p:txBody>
+          <a:bodyPr/>
+          <a:lstStyle/>
+          <a:p>
+            <a:r>
+              <a:rPr lang="en-US" dirty="0"/>
+              <a:t>And Video?</a:t>
+            </a:r>
+          </a:p>
+        </p:txBody>
+      </p:sp>
+      <p:sp>
+        <p:nvSpPr>
+          <p:cNvPr id="3" name="Content Placeholder 2">
+            <a:extLst>
+              <a:ext uri="{FF2B5EF4-FFF2-40B4-BE49-F238E27FC236}">
+                <a16:creationId xmlns:a16="http://schemas.microsoft.com/office/drawing/2014/main" id="{F0C0D3E8-CB78-46C3-95A6-3BC367A4A30D}"/>
+              </a:ext>
+            </a:extLst>
+          </p:cNvPr>
+          <p:cNvSpPr>
+            <a:spLocks noGrp="1"/>
+          </p:cNvSpPr>
+          <p:nvPr>
+            <p:ph sz="half" idx="1"/>
+          </p:nvPr>
+        </p:nvSpPr>
+        <p:spPr/>
+        <p:txBody>
+          <a:bodyPr>
+            <a:normAutofit fontScale="92500" lnSpcReduction="10000"/>
+          </a:bodyPr>
+          <a:lstStyle/>
+          <a:p>
+            <a:r>
+              <a:rPr lang="en-US" dirty="0"/>
+              <a:t>Each row in the binary column is an 8-bit line of the sprite.</a:t>
+            </a:r>
+          </a:p>
+          <a:p>
+            <a:endParaRPr lang="en-US" dirty="0"/>
+          </a:p>
+          <a:p>
+            <a:r>
+              <a:rPr lang="en-US" dirty="0"/>
+              <a:t>Each line is written from MSB to LSB in the X direction.</a:t>
+            </a:r>
+          </a:p>
+          <a:p>
+            <a:endParaRPr lang="en-US" dirty="0"/>
+          </a:p>
+          <a:p>
+            <a:r>
+              <a:rPr lang="en-US" dirty="0"/>
+              <a:t>Once the line is written, we increment Y and repeat.</a:t>
+            </a:r>
+          </a:p>
+          <a:p>
+            <a:endParaRPr lang="en-US" dirty="0"/>
+          </a:p>
+          <a:p>
+            <a:r>
+              <a:rPr lang="en-US" dirty="0"/>
+              <a:t>Once we reach the height </a:t>
+            </a:r>
+            <a:r>
+              <a:rPr lang="en-US" b="1" dirty="0"/>
+              <a:t>n</a:t>
+            </a:r>
+            <a:r>
+              <a:rPr lang="en-US" dirty="0"/>
+              <a:t> we stop drawing.</a:t>
+            </a:r>
+          </a:p>
+          <a:p>
+            <a:endParaRPr lang="en-US" dirty="0"/>
+          </a:p>
+          <a:p>
+            <a:endParaRPr lang="en-US" dirty="0"/>
+          </a:p>
+        </p:txBody>
+      </p:sp>
+      <p:sp>
+        <p:nvSpPr>
+          <p:cNvPr id="9" name="Content Placeholder 8">
+            <a:extLst>
+              <a:ext uri="{FF2B5EF4-FFF2-40B4-BE49-F238E27FC236}">
+                <a16:creationId xmlns:a16="http://schemas.microsoft.com/office/drawing/2014/main" id="{6BB3E83E-D064-47FD-A054-ACA5FBA1921B}"/>
+              </a:ext>
+            </a:extLst>
+          </p:cNvPr>
+          <p:cNvSpPr>
+            <a:spLocks noGrp="1"/>
+          </p:cNvSpPr>
+          <p:nvPr>
+            <p:ph sz="half" idx="2"/>
+          </p:nvPr>
+        </p:nvSpPr>
+        <p:spPr/>
+        <p:txBody>
+          <a:bodyPr>
+            <a:normAutofit fontScale="92500" lnSpcReduction="10000"/>
+          </a:bodyPr>
+          <a:lstStyle/>
           <a:p>
             <a:endParaRPr lang="en-US" dirty="0"/>
           </a:p>
@@ -5993,10 +6736,10 @@
       </p:sp>
       <p:pic>
         <p:nvPicPr>
-          <p:cNvPr id="5" name="Picture 4">
-            <a:extLst>
-              <a:ext uri="{FF2B5EF4-FFF2-40B4-BE49-F238E27FC236}">
-                <a16:creationId xmlns:a16="http://schemas.microsoft.com/office/drawing/2014/main" id="{A7606D4B-86F9-4D4D-8362-656E84043391}"/>
+          <p:cNvPr id="4" name="Picture 3">
+            <a:extLst>
+              <a:ext uri="{FF2B5EF4-FFF2-40B4-BE49-F238E27FC236}">
+                <a16:creationId xmlns:a16="http://schemas.microsoft.com/office/drawing/2014/main" id="{DE79638D-81A2-46E5-A346-63157C01B28A}"/>
               </a:ext>
             </a:extLst>
           </p:cNvPr>
@@ -6013,46 +6756,18 @@
         </p:blipFill>
         <p:spPr>
           <a:xfrm>
-            <a:off x="8465147" y="4953395"/>
-            <a:ext cx="1419225" cy="1095375"/>
+            <a:off x="6258046" y="2067940"/>
+            <a:ext cx="5009907" cy="3866707"/>
           </a:xfrm>
           <a:prstGeom prst="rect">
             <a:avLst/>
           </a:prstGeom>
         </p:spPr>
       </p:pic>
-      <p:sp>
-        <p:nvSpPr>
-          <p:cNvPr id="6" name="Footer Placeholder 5">
-            <a:extLst>
-              <a:ext uri="{FF2B5EF4-FFF2-40B4-BE49-F238E27FC236}">
-                <a16:creationId xmlns:a16="http://schemas.microsoft.com/office/drawing/2014/main" id="{18FB8864-7155-4505-B0BF-F54A94502ED8}"/>
-              </a:ext>
-            </a:extLst>
-          </p:cNvPr>
-          <p:cNvSpPr>
-            <a:spLocks noGrp="1"/>
-          </p:cNvSpPr>
-          <p:nvPr>
-            <p:ph type="ftr" sz="quarter" idx="11"/>
-          </p:nvPr>
-        </p:nvSpPr>
-        <p:spPr/>
-        <p:txBody>
-          <a:bodyPr/>
-          <a:lstStyle/>
-          <a:p>
-            <a:r>
-              <a:rPr lang="en-US" dirty="0"/>
-              <a:t>http://devernay.free.fr/hacks/chip8/C8TECH10.HTM#font</a:t>
-            </a:r>
-          </a:p>
-        </p:txBody>
-      </p:sp>
     </p:spTree>
     <p:extLst>
       <p:ext uri="{BB962C8B-B14F-4D97-AF65-F5344CB8AC3E}">
-        <p14:creationId xmlns:p14="http://schemas.microsoft.com/office/powerpoint/2010/main" val="1113117830"/>
+        <p14:creationId xmlns:p14="http://schemas.microsoft.com/office/powerpoint/2010/main" val="1297139426"/>
       </p:ext>
     </p:extLst>
   </p:cSld>
@@ -6062,7 +6777,7 @@
 </p:sld>
 </file>
 
-<file path=ppt/slides/slide24.xml><?xml version="1.0" encoding="utf-8"?>
+<file path=ppt/slides/slide27.xml><?xml version="1.0" encoding="utf-8"?>
 <p:sld xmlns:a="http://schemas.openxmlformats.org/drawingml/2006/main" xmlns:r="http://schemas.openxmlformats.org/officeDocument/2006/relationships" xmlns:p="http://schemas.openxmlformats.org/presentationml/2006/main">
   <p:cSld>
     <p:spTree>
@@ -6527,7 +7242,7 @@
           <a:p>
             <a:r>
               <a:rPr lang="en-US" dirty="0"/>
-              <a:t>These computers were very simple, hobbyist devices.</a:t>
+              <a:t>These computers were very simple hobbyist devices.</a:t>
             </a:r>
           </a:p>
           <a:p>
